--- a/mapping.pptx
+++ b/mapping.pptx
@@ -104,6 +104,11 @@
       </a:defRPr>
     </a:lvl9pPr>
   </p:defaultTextStyle>
+  <p:extLst>
+    <p:ext uri="{EFAFB233-063F-42B5-8137-9DF3F51BA10A}">
+      <p15:sldGuideLst xmlns:p15="http://schemas.microsoft.com/office/powerpoint/2012/main"/>
+    </p:ext>
+  </p:extLst>
 </p:presentation>
 </file>
 
@@ -3368,7 +3373,7 @@
           <a:p>
             <a:r>
               <a:rPr lang="en-US" sz="1400" dirty="0"/>
-              <a:t>PPE – Needs, replacement, buying off amazon</a:t>
+              <a:t>PPE – Needs, replacement, buying off amazon and hoping for the best</a:t>
             </a:r>
           </a:p>
           <a:p>
@@ -3380,8 +3385,13 @@
           <a:p>
             <a:r>
               <a:rPr lang="en-US" sz="1400" dirty="0"/>
-              <a:t>Training – some utilize UCLC, others made their own, not all access</a:t>
-            </a:r>
+              <a:t>Training – some utilize UCLC, others made their own, not </a:t>
+            </a:r>
+            <a:r>
+              <a:rPr lang="en-US" sz="1400"/>
+              <a:t>all have access</a:t>
+            </a:r>
+            <a:endParaRPr lang="en-US" sz="1400" dirty="0"/>
           </a:p>
           <a:p>
             <a:r>
@@ -3392,7 +3402,7 @@
           <a:p>
             <a:r>
               <a:rPr lang="en-US" sz="1400" dirty="0"/>
-              <a:t>University support feels consistent to students</a:t>
+              <a:t>University support feels inconsistent to students</a:t>
             </a:r>
           </a:p>
           <a:p>
@@ -3620,7 +3630,7 @@
           <a:p>
             <a:r>
               <a:rPr lang="en-US" sz="1400" dirty="0"/>
-              <a:t>Inconsistent ‘ownership’ of HPR</a:t>
+              <a:t>Inconsistent ‘ownership’ – Not all PIs can dedicate the time</a:t>
             </a:r>
             <a:br>
               <a:rPr lang="en-US" sz="1400" dirty="0"/>
